--- a/presentation.pptx
+++ b/presentation.pptx
@@ -6902,11 +6902,8 @@
               <a:rPr lang="en-US" altLang="ko-KR" dirty="0">
                 <a:hlinkClick r:id="rId2"/>
               </a:rPr>
-              <a:t>https://minchocoin.github.io/air-quality-dashboard/</a:t>
-            </a:r>
-            <a:endParaRPr lang="en-US" altLang="ko-KR" dirty="0"/>
-          </a:p>
-          <a:p>
+              <a:t>https://staging.d3ksq6kwsws80c.amplifyapp.com/</a:t>
+            </a:r>
             <a:endParaRPr lang="en-US" altLang="ko-KR" dirty="0"/>
           </a:p>
           <a:p>
@@ -6923,7 +6920,7 @@
               <a:rPr lang="en-US" altLang="ko-KR" dirty="0">
                 <a:hlinkClick r:id="rId3"/>
               </a:rPr>
-              <a:t>https://github.com/minchoCoin/air-quality-dashboard</a:t>
+              <a:t>https://github.com/minchoCoin/air-quality-dashboard2</a:t>
             </a:r>
             <a:br>
               <a:rPr lang="en-US" altLang="ko-KR" dirty="0"/>
@@ -6937,10 +6934,10 @@
       </p:sp>
       <p:pic>
         <p:nvPicPr>
-          <p:cNvPr id="5" name="그림 4" descr="패턴, 사각형, 직사각형, 예술이(가) 표시된 사진&#10;&#10;자동 생성된 설명">
-            <a:extLst>
-              <a:ext uri="{FF2B5EF4-FFF2-40B4-BE49-F238E27FC236}">
-                <a16:creationId xmlns:a16="http://schemas.microsoft.com/office/drawing/2014/main" id="{0601FCCA-BAE8-37F7-9334-2A40CB86C0FF}"/>
+          <p:cNvPr id="6" name="그림 5">
+            <a:extLst>
+              <a:ext uri="{FF2B5EF4-FFF2-40B4-BE49-F238E27FC236}">
+                <a16:creationId xmlns:a16="http://schemas.microsoft.com/office/drawing/2014/main" id="{8AA57F1A-86E1-94B2-4687-D73FC846F68E}"/>
               </a:ext>
             </a:extLst>
           </p:cNvPr>
@@ -6963,8 +6960,8 @@
         </p:blipFill>
         <p:spPr>
           <a:xfrm>
-            <a:off x="9478978" y="4144978"/>
-            <a:ext cx="2713022" cy="2713022"/>
+            <a:off x="10165404" y="4831404"/>
+            <a:ext cx="2026596" cy="2026596"/>
           </a:xfrm>
           <a:prstGeom prst="rect">
             <a:avLst/>
